--- a/docs/diagrams/ModuleInfoClassDiagram.pptx
+++ b/docs/diagrams/ModuleInfoClassDiagram.pptx
@@ -104,6 +104,11 @@
       </a:defRPr>
     </a:lvl9pPr>
   </p:defaultTextStyle>
+  <p:extLst>
+    <p:ext uri="{EFAFB233-063F-42B5-8137-9DF3F51BA10A}">
+      <p15:sldGuideLst xmlns:p15="http://schemas.microsoft.com/office/powerpoint/2012/main"/>
+    </p:ext>
+  </p:extLst>
 </p:presentation>
 </file>
 
@@ -3579,205 +3584,6 @@
           </a:p>
         </p:txBody>
       </p:sp>
-      <p:sp>
-        <p:nvSpPr>
-          <p:cNvPr id="15" name="Rectangle 14">
-            <a:extLst>
-              <a:ext uri="{FF2B5EF4-FFF2-40B4-BE49-F238E27FC236}">
-                <a16:creationId xmlns:a16="http://schemas.microsoft.com/office/drawing/2014/main" id="{D66B4018-F8F5-45C2-9EC2-EE50F36A5474}"/>
-              </a:ext>
-            </a:extLst>
-          </p:cNvPr>
-          <p:cNvSpPr/>
-          <p:nvPr/>
-        </p:nvSpPr>
-        <p:spPr>
-          <a:xfrm>
-            <a:off x="5824329" y="516835"/>
-            <a:ext cx="2199862" cy="1915603"/>
-          </a:xfrm>
-          <a:prstGeom prst="rect">
-            <a:avLst/>
-          </a:prstGeom>
-        </p:spPr>
-        <p:style>
-          <a:lnRef idx="2">
-            <a:schemeClr val="accent6"/>
-          </a:lnRef>
-          <a:fillRef idx="1">
-            <a:schemeClr val="lt1"/>
-          </a:fillRef>
-          <a:effectRef idx="0">
-            <a:schemeClr val="accent6"/>
-          </a:effectRef>
-          <a:fontRef idx="minor">
-            <a:schemeClr val="dk1"/>
-          </a:fontRef>
-        </p:style>
-        <p:txBody>
-          <a:bodyPr rtlCol="0" anchor="ctr"/>
-          <a:lstStyle/>
-          <a:p>
-            <a:pPr algn="ctr"/>
-            <a:endParaRPr lang="en-MY" dirty="0"/>
-          </a:p>
-        </p:txBody>
-      </p:sp>
-      <p:sp>
-        <p:nvSpPr>
-          <p:cNvPr id="16" name="TextBox 15">
-            <a:extLst>
-              <a:ext uri="{FF2B5EF4-FFF2-40B4-BE49-F238E27FC236}">
-                <a16:creationId xmlns:a16="http://schemas.microsoft.com/office/drawing/2014/main" id="{09D41C7B-D2DC-4997-9A69-D4F6117C349F}"/>
-              </a:ext>
-            </a:extLst>
-          </p:cNvPr>
-          <p:cNvSpPr txBox="1"/>
-          <p:nvPr/>
-        </p:nvSpPr>
-        <p:spPr>
-          <a:xfrm>
-            <a:off x="5824329" y="516835"/>
-            <a:ext cx="2027581" cy="369332"/>
-          </a:xfrm>
-          <a:prstGeom prst="rect">
-            <a:avLst/>
-          </a:prstGeom>
-          <a:noFill/>
-        </p:spPr>
-        <p:txBody>
-          <a:bodyPr wrap="square" rtlCol="0">
-            <a:spAutoFit/>
-          </a:bodyPr>
-          <a:lstStyle/>
-          <a:p>
-            <a:pPr algn="ctr"/>
-            <a:r>
-              <a:rPr lang="en-MY" dirty="0" err="1"/>
-              <a:t>MajorDescription</a:t>
-            </a:r>
-            <a:endParaRPr lang="en-MY" dirty="0"/>
-          </a:p>
-        </p:txBody>
-      </p:sp>
-      <p:sp>
-        <p:nvSpPr>
-          <p:cNvPr id="17" name="TextBox 16">
-            <a:extLst>
-              <a:ext uri="{FF2B5EF4-FFF2-40B4-BE49-F238E27FC236}">
-                <a16:creationId xmlns:a16="http://schemas.microsoft.com/office/drawing/2014/main" id="{7FC9B4B0-C4DD-495A-8EEF-B22C94AF8679}"/>
-              </a:ext>
-            </a:extLst>
-          </p:cNvPr>
-          <p:cNvSpPr txBox="1"/>
-          <p:nvPr/>
-        </p:nvSpPr>
-        <p:spPr>
-          <a:xfrm>
-            <a:off x="5824329" y="1204217"/>
-            <a:ext cx="2199862" cy="1107996"/>
-          </a:xfrm>
-          <a:prstGeom prst="rect">
-            <a:avLst/>
-          </a:prstGeom>
-          <a:noFill/>
-          <a:ln>
-            <a:solidFill>
-              <a:schemeClr val="tx1"/>
-            </a:solidFill>
-          </a:ln>
-        </p:spPr>
-        <p:txBody>
-          <a:bodyPr wrap="square" rtlCol="0">
-            <a:spAutoFit/>
-          </a:bodyPr>
-          <a:lstStyle/>
-          <a:p>
-            <a:r>
-              <a:rPr lang="en-MY" sz="1100" dirty="0"/>
-              <a:t>+ </a:t>
-            </a:r>
-            <a:r>
-              <a:rPr lang="en-MY" sz="1100" dirty="0" err="1"/>
-              <a:t>getName</a:t>
-            </a:r>
-            <a:r>
-              <a:rPr lang="en-MY" sz="1100" dirty="0"/>
-              <a:t>()</a:t>
-            </a:r>
-          </a:p>
-          <a:p>
-            <a:r>
-              <a:rPr lang="en-MY" sz="1100" dirty="0"/>
-              <a:t>+ </a:t>
-            </a:r>
-            <a:r>
-              <a:rPr lang="en-MY" sz="1100" dirty="0" err="1"/>
-              <a:t>getDescription</a:t>
-            </a:r>
-            <a:r>
-              <a:rPr lang="en-MY" sz="1100" dirty="0"/>
-              <a:t>()</a:t>
-            </a:r>
-          </a:p>
-          <a:p>
-            <a:r>
-              <a:rPr lang="en-MY" sz="1100" dirty="0"/>
-              <a:t>+ </a:t>
-            </a:r>
-            <a:r>
-              <a:rPr lang="en-MY" sz="1100" dirty="0" err="1"/>
-              <a:t>getCode</a:t>
-            </a:r>
-            <a:r>
-              <a:rPr lang="en-MY" sz="1100" dirty="0"/>
-              <a:t>()</a:t>
-            </a:r>
-          </a:p>
-          <a:p>
-            <a:r>
-              <a:rPr lang="en-MY" sz="1100" dirty="0"/>
-              <a:t>+ </a:t>
-            </a:r>
-            <a:r>
-              <a:rPr lang="en-MY" sz="1100" dirty="0" err="1"/>
-              <a:t>getCredit</a:t>
-            </a:r>
-            <a:r>
-              <a:rPr lang="en-MY" sz="1100" dirty="0"/>
-              <a:t>()</a:t>
-            </a:r>
-          </a:p>
-          <a:p>
-            <a:r>
-              <a:rPr lang="en-MY" sz="1100" dirty="0"/>
-              <a:t>+ </a:t>
-            </a:r>
-            <a:r>
-              <a:rPr lang="en-MY" sz="1100" dirty="0" err="1"/>
-              <a:t>getPrerequisites</a:t>
-            </a:r>
-            <a:r>
-              <a:rPr lang="en-MY" sz="1100" dirty="0"/>
-              <a:t>()</a:t>
-            </a:r>
-          </a:p>
-          <a:p>
-            <a:r>
-              <a:rPr lang="en-MY" sz="1100" dirty="0"/>
-              <a:t>+ </a:t>
-            </a:r>
-            <a:r>
-              <a:rPr lang="en-MY" sz="1100" dirty="0" err="1"/>
-              <a:t>getPreclusions</a:t>
-            </a:r>
-            <a:r>
-              <a:rPr lang="en-MY" sz="1100" dirty="0"/>
-              <a:t>()</a:t>
-            </a:r>
-          </a:p>
-        </p:txBody>
-      </p:sp>
       <p:cxnSp>
         <p:nvCxnSpPr>
           <p:cNvPr id="39" name="Straight Connector 38">

--- a/docs/diagrams/ModuleInfoClassDiagram.pptx
+++ b/docs/diagrams/ModuleInfoClassDiagram.pptx
@@ -3393,8 +3393,8 @@
         </p:nvSpPr>
         <p:spPr>
           <a:xfrm>
-            <a:off x="1921564" y="1805095"/>
-            <a:ext cx="2199862" cy="1915603"/>
+            <a:off x="1921563" y="1805095"/>
+            <a:ext cx="2299246" cy="1915603"/>
           </a:xfrm>
           <a:prstGeom prst="rect">
             <a:avLst/>
@@ -3444,7 +3444,7 @@
         <p:spPr>
           <a:xfrm>
             <a:off x="1921564" y="1805095"/>
-            <a:ext cx="2027581" cy="369332"/>
+            <a:ext cx="2299244" cy="369332"/>
           </a:xfrm>
           <a:prstGeom prst="rect">
             <a:avLst/>
@@ -3480,8 +3480,8 @@
         </p:nvSpPr>
         <p:spPr>
           <a:xfrm>
-            <a:off x="1921564" y="2492477"/>
-            <a:ext cx="2199862" cy="1107996"/>
+            <a:off x="1934815" y="2203820"/>
+            <a:ext cx="2272743" cy="1107996"/>
           </a:xfrm>
           <a:prstGeom prst="rect">
             <a:avLst/>
@@ -3500,86 +3500,66 @@
           <a:lstStyle/>
           <a:p>
             <a:r>
+              <a:rPr lang="en-MY" sz="1100" dirty="0" err="1"/>
+              <a:t>name:String</a:t>
+            </a:r>
+            <a:endParaRPr lang="en-MY" sz="1100" dirty="0"/>
+          </a:p>
+          <a:p>
+            <a:r>
+              <a:rPr lang="en-MY" sz="1100" dirty="0" err="1"/>
+              <a:t>description:String</a:t>
+            </a:r>
+            <a:endParaRPr lang="en-MY" sz="1100" dirty="0"/>
+          </a:p>
+          <a:p>
+            <a:r>
+              <a:rPr lang="en-MY" sz="1100" dirty="0" err="1"/>
+              <a:t>code:String</a:t>
+            </a:r>
+            <a:endParaRPr lang="en-MY" sz="1100" dirty="0"/>
+          </a:p>
+          <a:p>
+            <a:r>
+              <a:rPr lang="en-MY" sz="1100" dirty="0" err="1"/>
+              <a:t>credit:float</a:t>
+            </a:r>
+            <a:endParaRPr lang="en-MY" sz="1100" dirty="0"/>
+          </a:p>
+          <a:p>
+            <a:r>
+              <a:rPr lang="en-MY" sz="1100" dirty="0" err="1"/>
+              <a:t>prereqModuleInfo:List</a:t>
+            </a:r>
+            <a:r>
               <a:rPr lang="en-MY" sz="1100" dirty="0"/>
-              <a:t>+ </a:t>
+              <a:t>&lt;</a:t>
             </a:r>
             <a:r>
               <a:rPr lang="en-MY" sz="1100" dirty="0" err="1"/>
-              <a:t>getName</a:t>
+              <a:t>ModuleInfo</a:t>
             </a:r>
             <a:r>
               <a:rPr lang="en-MY" sz="1100" dirty="0"/>
-              <a:t>()</a:t>
-            </a:r>
-          </a:p>
-          <a:p>
+              <a:t>&gt;</a:t>
+            </a:r>
+          </a:p>
+          <a:p>
+            <a:r>
+              <a:rPr lang="en-MY" sz="1100" dirty="0" err="1"/>
+              <a:t>precluModuleInfo:List</a:t>
+            </a:r>
             <a:r>
               <a:rPr lang="en-MY" sz="1100" dirty="0"/>
-              <a:t>+ </a:t>
+              <a:t>&lt;</a:t>
             </a:r>
             <a:r>
               <a:rPr lang="en-MY" sz="1100" dirty="0" err="1"/>
-              <a:t>getDescription</a:t>
+              <a:t>ModuleInfo</a:t>
             </a:r>
             <a:r>
               <a:rPr lang="en-MY" sz="1100" dirty="0"/>
-              <a:t>()</a:t>
-            </a:r>
-          </a:p>
-          <a:p>
-            <a:r>
-              <a:rPr lang="en-MY" sz="1100" dirty="0"/>
-              <a:t>+ </a:t>
-            </a:r>
-            <a:r>
-              <a:rPr lang="en-MY" sz="1100" dirty="0" err="1"/>
-              <a:t>getCode</a:t>
-            </a:r>
-            <a:r>
-              <a:rPr lang="en-MY" sz="1100" dirty="0"/>
-              <a:t>()</a:t>
-            </a:r>
-          </a:p>
-          <a:p>
-            <a:r>
-              <a:rPr lang="en-MY" sz="1100" dirty="0"/>
-              <a:t>+ </a:t>
-            </a:r>
-            <a:r>
-              <a:rPr lang="en-MY" sz="1100" dirty="0" err="1"/>
-              <a:t>getCredit</a:t>
-            </a:r>
-            <a:r>
-              <a:rPr lang="en-MY" sz="1100" dirty="0"/>
-              <a:t>()</a:t>
-            </a:r>
-          </a:p>
-          <a:p>
-            <a:r>
-              <a:rPr lang="en-MY" sz="1100" dirty="0"/>
-              <a:t>+ </a:t>
-            </a:r>
-            <a:r>
-              <a:rPr lang="en-MY" sz="1100" dirty="0" err="1"/>
-              <a:t>getPrerequisites</a:t>
-            </a:r>
-            <a:r>
-              <a:rPr lang="en-MY" sz="1100" dirty="0"/>
-              <a:t>()</a:t>
-            </a:r>
-          </a:p>
-          <a:p>
-            <a:r>
-              <a:rPr lang="en-MY" sz="1100" dirty="0"/>
-              <a:t>+ </a:t>
-            </a:r>
-            <a:r>
-              <a:rPr lang="en-MY" sz="1100" dirty="0" err="1"/>
-              <a:t>getPreclusions</a:t>
-            </a:r>
-            <a:r>
-              <a:rPr lang="en-MY" sz="1100" dirty="0"/>
-              <a:t>()</a:t>
+              <a:t>&gt;</a:t>
             </a:r>
           </a:p>
         </p:txBody>
@@ -3593,13 +3573,15 @@
               </a:ext>
             </a:extLst>
           </p:cNvPr>
-          <p:cNvCxnSpPr/>
+          <p:cNvCxnSpPr>
+            <a:cxnSpLocks/>
+          </p:cNvCxnSpPr>
           <p:nvPr/>
         </p:nvCxnSpPr>
         <p:spPr>
           <a:xfrm>
-            <a:off x="4121426" y="2174427"/>
-            <a:ext cx="569843" cy="0"/>
+            <a:off x="4220809" y="2174427"/>
+            <a:ext cx="470460" cy="0"/>
           </a:xfrm>
           <a:prstGeom prst="line">
             <a:avLst/>
@@ -3781,7 +3763,7 @@
         <p:spPr>
           <a:xfrm>
             <a:off x="4709784" y="1743540"/>
-            <a:ext cx="869149" cy="246221"/>
+            <a:ext cx="819455" cy="246221"/>
           </a:xfrm>
           <a:prstGeom prst="rect">
             <a:avLst/>
@@ -3796,7 +3778,7 @@
           <a:p>
             <a:r>
               <a:rPr lang="en-MY" sz="1000" dirty="0"/>
-              <a:t>prerequisites</a:t>
+              <a:t>prerequisite</a:t>
             </a:r>
           </a:p>
         </p:txBody>
@@ -3817,8 +3799,8 @@
         </p:nvCxnSpPr>
         <p:spPr>
           <a:xfrm>
-            <a:off x="4167808" y="3262834"/>
-            <a:ext cx="549966" cy="0"/>
+            <a:off x="4220809" y="3262834"/>
+            <a:ext cx="496965" cy="0"/>
           </a:xfrm>
           <a:prstGeom prst="line">
             <a:avLst/>
@@ -4000,7 +3982,7 @@
         <p:spPr>
           <a:xfrm>
             <a:off x="4705196" y="3577922"/>
-            <a:ext cx="832279" cy="261610"/>
+            <a:ext cx="777777" cy="261610"/>
           </a:xfrm>
           <a:prstGeom prst="rect">
             <a:avLst/>
@@ -4015,8 +3997,55 @@
           <a:p>
             <a:r>
               <a:rPr lang="en-MY" sz="1100" dirty="0"/>
-              <a:t>preclusions</a:t>
-            </a:r>
+              <a:t>preclusion</a:t>
+            </a:r>
+          </a:p>
+        </p:txBody>
+      </p:sp>
+      <p:sp>
+        <p:nvSpPr>
+          <p:cNvPr id="9" name="Rectangle 8">
+            <a:extLst>
+              <a:ext uri="{FF2B5EF4-FFF2-40B4-BE49-F238E27FC236}">
+                <a16:creationId xmlns:a16="http://schemas.microsoft.com/office/drawing/2014/main" id="{4C6D7CD0-0577-436B-872E-DED36BC42B13}"/>
+              </a:ext>
+            </a:extLst>
+          </p:cNvPr>
+          <p:cNvSpPr/>
+          <p:nvPr/>
+        </p:nvSpPr>
+        <p:spPr>
+          <a:xfrm>
+            <a:off x="1934814" y="3311814"/>
+            <a:ext cx="2285994" cy="416779"/>
+          </a:xfrm>
+          <a:prstGeom prst="rect">
+            <a:avLst/>
+          </a:prstGeom>
+          <a:noFill/>
+        </p:spPr>
+        <p:style>
+          <a:lnRef idx="2">
+            <a:schemeClr val="accent1">
+              <a:shade val="50000"/>
+            </a:schemeClr>
+          </a:lnRef>
+          <a:fillRef idx="1">
+            <a:schemeClr val="accent1"/>
+          </a:fillRef>
+          <a:effectRef idx="0">
+            <a:schemeClr val="accent1"/>
+          </a:effectRef>
+          <a:fontRef idx="minor">
+            <a:schemeClr val="lt1"/>
+          </a:fontRef>
+        </p:style>
+        <p:txBody>
+          <a:bodyPr rtlCol="0" anchor="ctr"/>
+          <a:lstStyle/>
+          <a:p>
+            <a:pPr algn="ctr"/>
+            <a:endParaRPr lang="en-MY"/>
           </a:p>
         </p:txBody>
       </p:sp>

--- a/docs/diagrams/ModuleInfoClassDiagram.pptx
+++ b/docs/diagrams/ModuleInfoClassDiagram.pptx
@@ -3365,7 +3365,7 @@
         </p:nvSpPr>
         <p:spPr>
           <a:xfrm flipV="1">
-            <a:off x="1524000" y="5257799"/>
+            <a:off x="2054086" y="6202679"/>
             <a:ext cx="9144000" cy="45719"/>
           </a:xfrm>
         </p:spPr>
@@ -3763,7 +3763,7 @@
         <p:spPr>
           <a:xfrm>
             <a:off x="4709784" y="1743540"/>
-            <a:ext cx="819455" cy="246221"/>
+            <a:ext cx="497252" cy="246221"/>
           </a:xfrm>
           <a:prstGeom prst="rect">
             <a:avLst/>
@@ -3778,7 +3778,7 @@
           <a:p>
             <a:r>
               <a:rPr lang="en-MY" sz="1000" dirty="0"/>
-              <a:t>prerequisite</a:t>
+              <a:t>needs</a:t>
             </a:r>
           </a:p>
         </p:txBody>
@@ -3982,7 +3982,7 @@
         <p:spPr>
           <a:xfrm>
             <a:off x="4705196" y="3577922"/>
-            <a:ext cx="777777" cy="261610"/>
+            <a:ext cx="742511" cy="261610"/>
           </a:xfrm>
           <a:prstGeom prst="rect">
             <a:avLst/>
@@ -3997,7 +3997,7 @@
           <a:p>
             <a:r>
               <a:rPr lang="en-MY" sz="1100" dirty="0"/>
-              <a:t>preclusion</a:t>
+              <a:t>precludes</a:t>
             </a:r>
           </a:p>
         </p:txBody>
